--- a/Figures & Presentables/20-Mar/20-Mar.pptx
+++ b/Figures & Presentables/20-Mar/20-Mar.pptx
@@ -5,22 +5,15 @@
     <p:sldMasterId id="2147483648" r:id="rId1"/>
   </p:sldMasterIdLst>
   <p:sldIdLst>
-    <p:sldId id="271" r:id="rId2"/>
-    <p:sldId id="256" r:id="rId3"/>
-    <p:sldId id="257" r:id="rId4"/>
-    <p:sldId id="258" r:id="rId5"/>
-    <p:sldId id="259" r:id="rId6"/>
-    <p:sldId id="260" r:id="rId7"/>
-    <p:sldId id="261" r:id="rId8"/>
-    <p:sldId id="262" r:id="rId9"/>
-    <p:sldId id="263" r:id="rId10"/>
-    <p:sldId id="264" r:id="rId11"/>
-    <p:sldId id="265" r:id="rId12"/>
-    <p:sldId id="266" r:id="rId13"/>
-    <p:sldId id="267" r:id="rId14"/>
-    <p:sldId id="268" r:id="rId15"/>
-    <p:sldId id="269" r:id="rId16"/>
-    <p:sldId id="270" r:id="rId17"/>
+    <p:sldId id="256" r:id="rId2"/>
+    <p:sldId id="257" r:id="rId3"/>
+    <p:sldId id="258" r:id="rId4"/>
+    <p:sldId id="259" r:id="rId5"/>
+    <p:sldId id="260" r:id="rId6"/>
+    <p:sldId id="261" r:id="rId7"/>
+    <p:sldId id="262" r:id="rId8"/>
+    <p:sldId id="263" r:id="rId9"/>
+    <p:sldId id="264" r:id="rId10"/>
   </p:sldIdLst>
   <p:sldSz cx="12192000" cy="6858000"/>
   <p:notesSz cx="6858000" cy="9144000"/>
@@ -119,6 +112,11 @@
       </a:defRPr>
     </a:lvl9pPr>
   </p:defaultTextStyle>
+  <p:extLst>
+    <p:ext uri="{EFAFB233-063F-42B5-8137-9DF3F51BA10A}">
+      <p15:sldGuideLst xmlns:p15="http://schemas.microsoft.com/office/powerpoint/2012/main"/>
+    </p:ext>
+  </p:extLst>
 </p:presentation>
 </file>
 
@@ -269,7 +267,7 @@
           <a:p>
             <a:fld id="{9DEA4B66-1DFE-2D44-B991-42C9BA7596F5}" type="datetimeFigureOut">
               <a:rPr lang="en-GB" smtClean="0"/>
-              <a:t>19/03/2025</a:t>
+              <a:t>21/03/2025</a:t>
             </a:fld>
             <a:endParaRPr lang="en-GB"/>
           </a:p>
@@ -467,7 +465,7 @@
           <a:p>
             <a:fld id="{9DEA4B66-1DFE-2D44-B991-42C9BA7596F5}" type="datetimeFigureOut">
               <a:rPr lang="en-GB" smtClean="0"/>
-              <a:t>19/03/2025</a:t>
+              <a:t>21/03/2025</a:t>
             </a:fld>
             <a:endParaRPr lang="en-GB"/>
           </a:p>
@@ -675,7 +673,7 @@
           <a:p>
             <a:fld id="{9DEA4B66-1DFE-2D44-B991-42C9BA7596F5}" type="datetimeFigureOut">
               <a:rPr lang="en-GB" smtClean="0"/>
-              <a:t>19/03/2025</a:t>
+              <a:t>21/03/2025</a:t>
             </a:fld>
             <a:endParaRPr lang="en-GB"/>
           </a:p>
@@ -873,7 +871,7 @@
           <a:p>
             <a:fld id="{9DEA4B66-1DFE-2D44-B991-42C9BA7596F5}" type="datetimeFigureOut">
               <a:rPr lang="en-GB" smtClean="0"/>
-              <a:t>19/03/2025</a:t>
+              <a:t>21/03/2025</a:t>
             </a:fld>
             <a:endParaRPr lang="en-GB"/>
           </a:p>
@@ -1148,7 +1146,7 @@
           <a:p>
             <a:fld id="{9DEA4B66-1DFE-2D44-B991-42C9BA7596F5}" type="datetimeFigureOut">
               <a:rPr lang="en-GB" smtClean="0"/>
-              <a:t>19/03/2025</a:t>
+              <a:t>21/03/2025</a:t>
             </a:fld>
             <a:endParaRPr lang="en-GB"/>
           </a:p>
@@ -1413,7 +1411,7 @@
           <a:p>
             <a:fld id="{9DEA4B66-1DFE-2D44-B991-42C9BA7596F5}" type="datetimeFigureOut">
               <a:rPr lang="en-GB" smtClean="0"/>
-              <a:t>19/03/2025</a:t>
+              <a:t>21/03/2025</a:t>
             </a:fld>
             <a:endParaRPr lang="en-GB"/>
           </a:p>
@@ -1825,7 +1823,7 @@
           <a:p>
             <a:fld id="{9DEA4B66-1DFE-2D44-B991-42C9BA7596F5}" type="datetimeFigureOut">
               <a:rPr lang="en-GB" smtClean="0"/>
-              <a:t>19/03/2025</a:t>
+              <a:t>21/03/2025</a:t>
             </a:fld>
             <a:endParaRPr lang="en-GB"/>
           </a:p>
@@ -1966,7 +1964,7 @@
           <a:p>
             <a:fld id="{9DEA4B66-1DFE-2D44-B991-42C9BA7596F5}" type="datetimeFigureOut">
               <a:rPr lang="en-GB" smtClean="0"/>
-              <a:t>19/03/2025</a:t>
+              <a:t>21/03/2025</a:t>
             </a:fld>
             <a:endParaRPr lang="en-GB"/>
           </a:p>
@@ -2079,7 +2077,7 @@
           <a:p>
             <a:fld id="{9DEA4B66-1DFE-2D44-B991-42C9BA7596F5}" type="datetimeFigureOut">
               <a:rPr lang="en-GB" smtClean="0"/>
-              <a:t>19/03/2025</a:t>
+              <a:t>21/03/2025</a:t>
             </a:fld>
             <a:endParaRPr lang="en-GB"/>
           </a:p>
@@ -2390,7 +2388,7 @@
           <a:p>
             <a:fld id="{9DEA4B66-1DFE-2D44-B991-42C9BA7596F5}" type="datetimeFigureOut">
               <a:rPr lang="en-GB" smtClean="0"/>
-              <a:t>19/03/2025</a:t>
+              <a:t>21/03/2025</a:t>
             </a:fld>
             <a:endParaRPr lang="en-GB"/>
           </a:p>
@@ -2678,7 +2676,7 @@
           <a:p>
             <a:fld id="{9DEA4B66-1DFE-2D44-B991-42C9BA7596F5}" type="datetimeFigureOut">
               <a:rPr lang="en-GB" smtClean="0"/>
-              <a:t>19/03/2025</a:t>
+              <a:t>21/03/2025</a:t>
             </a:fld>
             <a:endParaRPr lang="en-GB"/>
           </a:p>
@@ -2919,7 +2917,7 @@
           <a:p>
             <a:fld id="{9DEA4B66-1DFE-2D44-B991-42C9BA7596F5}" type="datetimeFigureOut">
               <a:rPr lang="en-GB" smtClean="0"/>
-              <a:t>19/03/2025</a:t>
+              <a:t>21/03/2025</a:t>
             </a:fld>
             <a:endParaRPr lang="en-GB"/>
           </a:p>
@@ -3341,7 +3339,7 @@
           <p:cNvPr id="5" name="Picture 4">
             <a:extLst>
               <a:ext uri="{FF2B5EF4-FFF2-40B4-BE49-F238E27FC236}">
-                <a16:creationId xmlns:a16="http://schemas.microsoft.com/office/drawing/2014/main" id="{E341D103-2BD9-8DB1-8BD8-A57F441EB901}"/>
+                <a16:creationId xmlns:a16="http://schemas.microsoft.com/office/drawing/2014/main" id="{07F919B8-C7A8-E880-9434-996A6DA8203B}"/>
               </a:ext>
             </a:extLst>
           </p:cNvPr>
@@ -3358,8 +3356,8 @@
         </p:blipFill>
         <p:spPr>
           <a:xfrm>
-            <a:off x="158750" y="12700"/>
-            <a:ext cx="11896572" cy="6845300"/>
+            <a:off x="0" y="0"/>
+            <a:ext cx="11918644" cy="6858000"/>
           </a:xfrm>
           <a:prstGeom prst="rect">
             <a:avLst/>
@@ -3369,463 +3367,7 @@
     </p:spTree>
     <p:extLst>
       <p:ext uri="{BB962C8B-B14F-4D97-AF65-F5344CB8AC3E}">
-        <p14:creationId xmlns:p14="http://schemas.microsoft.com/office/powerpoint/2010/main" val="2555261462"/>
-      </p:ext>
-    </p:extLst>
-  </p:cSld>
-  <p:clrMapOvr>
-    <a:masterClrMapping/>
-  </p:clrMapOvr>
-</p:sld>
-</file>
-
-<file path=ppt/slides/slide10.xml><?xml version="1.0" encoding="utf-8"?>
-<p:sld xmlns:a="http://schemas.openxmlformats.org/drawingml/2006/main" xmlns:r="http://schemas.openxmlformats.org/officeDocument/2006/relationships" xmlns:p="http://schemas.openxmlformats.org/presentationml/2006/main">
-  <p:cSld>
-    <p:spTree>
-      <p:nvGrpSpPr>
-        <p:cNvPr id="1" name="">
-          <a:extLst>
-            <a:ext uri="{FF2B5EF4-FFF2-40B4-BE49-F238E27FC236}">
-              <a16:creationId xmlns:a16="http://schemas.microsoft.com/office/drawing/2014/main" id="{6FEDF111-3AD0-2FF8-2219-2A5A5ABE9AF2}"/>
-            </a:ext>
-          </a:extLst>
-        </p:cNvPr>
-        <p:cNvGrpSpPr/>
-        <p:nvPr/>
-      </p:nvGrpSpPr>
-      <p:grpSpPr>
-        <a:xfrm>
-          <a:off x="0" y="0"/>
-          <a:ext cx="0" cy="0"/>
-          <a:chOff x="0" y="0"/>
-          <a:chExt cx="0" cy="0"/>
-        </a:xfrm>
-      </p:grpSpPr>
-      <p:pic>
-        <p:nvPicPr>
-          <p:cNvPr id="3" name="Picture 2">
-            <a:extLst>
-              <a:ext uri="{FF2B5EF4-FFF2-40B4-BE49-F238E27FC236}">
-                <a16:creationId xmlns:a16="http://schemas.microsoft.com/office/drawing/2014/main" id="{6942B99A-A841-FDE5-4C69-015CE80DCA86}"/>
-              </a:ext>
-            </a:extLst>
-          </p:cNvPr>
-          <p:cNvPicPr>
-            <a:picLocks noChangeAspect="1"/>
-          </p:cNvPicPr>
-          <p:nvPr/>
-        </p:nvPicPr>
-        <p:blipFill>
-          <a:blip r:embed="rId2"/>
-          <a:stretch>
-            <a:fillRect/>
-          </a:stretch>
-        </p:blipFill>
-        <p:spPr>
-          <a:xfrm>
-            <a:off x="158750" y="12700"/>
-            <a:ext cx="11896572" cy="6845300"/>
-          </a:xfrm>
-          <a:prstGeom prst="rect">
-            <a:avLst/>
-          </a:prstGeom>
-        </p:spPr>
-      </p:pic>
-    </p:spTree>
-    <p:extLst>
-      <p:ext uri="{BB962C8B-B14F-4D97-AF65-F5344CB8AC3E}">
-        <p14:creationId xmlns:p14="http://schemas.microsoft.com/office/powerpoint/2010/main" val="3721022822"/>
-      </p:ext>
-    </p:extLst>
-  </p:cSld>
-  <p:clrMapOvr>
-    <a:masterClrMapping/>
-  </p:clrMapOvr>
-</p:sld>
-</file>
-
-<file path=ppt/slides/slide11.xml><?xml version="1.0" encoding="utf-8"?>
-<p:sld xmlns:a="http://schemas.openxmlformats.org/drawingml/2006/main" xmlns:r="http://schemas.openxmlformats.org/officeDocument/2006/relationships" xmlns:p="http://schemas.openxmlformats.org/presentationml/2006/main">
-  <p:cSld>
-    <p:spTree>
-      <p:nvGrpSpPr>
-        <p:cNvPr id="1" name="">
-          <a:extLst>
-            <a:ext uri="{FF2B5EF4-FFF2-40B4-BE49-F238E27FC236}">
-              <a16:creationId xmlns:a16="http://schemas.microsoft.com/office/drawing/2014/main" id="{83867019-9FBF-8E19-E79F-CDDFA83C38A0}"/>
-            </a:ext>
-          </a:extLst>
-        </p:cNvPr>
-        <p:cNvGrpSpPr/>
-        <p:nvPr/>
-      </p:nvGrpSpPr>
-      <p:grpSpPr>
-        <a:xfrm>
-          <a:off x="0" y="0"/>
-          <a:ext cx="0" cy="0"/>
-          <a:chOff x="0" y="0"/>
-          <a:chExt cx="0" cy="0"/>
-        </a:xfrm>
-      </p:grpSpPr>
-      <p:pic>
-        <p:nvPicPr>
-          <p:cNvPr id="3" name="Picture 2">
-            <a:extLst>
-              <a:ext uri="{FF2B5EF4-FFF2-40B4-BE49-F238E27FC236}">
-                <a16:creationId xmlns:a16="http://schemas.microsoft.com/office/drawing/2014/main" id="{FE12C471-5E5F-04C2-3C5F-BC9604E6B2E7}"/>
-              </a:ext>
-            </a:extLst>
-          </p:cNvPr>
-          <p:cNvPicPr>
-            <a:picLocks noChangeAspect="1"/>
-          </p:cNvPicPr>
-          <p:nvPr/>
-        </p:nvPicPr>
-        <p:blipFill>
-          <a:blip r:embed="rId2"/>
-          <a:stretch>
-            <a:fillRect/>
-          </a:stretch>
-        </p:blipFill>
-        <p:spPr>
-          <a:xfrm>
-            <a:off x="158750" y="12700"/>
-            <a:ext cx="11896572" cy="6845300"/>
-          </a:xfrm>
-          <a:prstGeom prst="rect">
-            <a:avLst/>
-          </a:prstGeom>
-        </p:spPr>
-      </p:pic>
-    </p:spTree>
-    <p:extLst>
-      <p:ext uri="{BB962C8B-B14F-4D97-AF65-F5344CB8AC3E}">
-        <p14:creationId xmlns:p14="http://schemas.microsoft.com/office/powerpoint/2010/main" val="2500044558"/>
-      </p:ext>
-    </p:extLst>
-  </p:cSld>
-  <p:clrMapOvr>
-    <a:masterClrMapping/>
-  </p:clrMapOvr>
-</p:sld>
-</file>
-
-<file path=ppt/slides/slide12.xml><?xml version="1.0" encoding="utf-8"?>
-<p:sld xmlns:a="http://schemas.openxmlformats.org/drawingml/2006/main" xmlns:r="http://schemas.openxmlformats.org/officeDocument/2006/relationships" xmlns:p="http://schemas.openxmlformats.org/presentationml/2006/main">
-  <p:cSld>
-    <p:spTree>
-      <p:nvGrpSpPr>
-        <p:cNvPr id="1" name="">
-          <a:extLst>
-            <a:ext uri="{FF2B5EF4-FFF2-40B4-BE49-F238E27FC236}">
-              <a16:creationId xmlns:a16="http://schemas.microsoft.com/office/drawing/2014/main" id="{AA13EBC9-A124-E1B4-AB00-44BED1BAC17F}"/>
-            </a:ext>
-          </a:extLst>
-        </p:cNvPr>
-        <p:cNvGrpSpPr/>
-        <p:nvPr/>
-      </p:nvGrpSpPr>
-      <p:grpSpPr>
-        <a:xfrm>
-          <a:off x="0" y="0"/>
-          <a:ext cx="0" cy="0"/>
-          <a:chOff x="0" y="0"/>
-          <a:chExt cx="0" cy="0"/>
-        </a:xfrm>
-      </p:grpSpPr>
-      <p:pic>
-        <p:nvPicPr>
-          <p:cNvPr id="3" name="Picture 2">
-            <a:extLst>
-              <a:ext uri="{FF2B5EF4-FFF2-40B4-BE49-F238E27FC236}">
-                <a16:creationId xmlns:a16="http://schemas.microsoft.com/office/drawing/2014/main" id="{65A8C2B7-26F8-5E41-0EA3-CA85571584AB}"/>
-              </a:ext>
-            </a:extLst>
-          </p:cNvPr>
-          <p:cNvPicPr>
-            <a:picLocks noChangeAspect="1"/>
-          </p:cNvPicPr>
-          <p:nvPr/>
-        </p:nvPicPr>
-        <p:blipFill>
-          <a:blip r:embed="rId2"/>
-          <a:stretch>
-            <a:fillRect/>
-          </a:stretch>
-        </p:blipFill>
-        <p:spPr>
-          <a:xfrm>
-            <a:off x="158750" y="12700"/>
-            <a:ext cx="11896572" cy="6845300"/>
-          </a:xfrm>
-          <a:prstGeom prst="rect">
-            <a:avLst/>
-          </a:prstGeom>
-        </p:spPr>
-      </p:pic>
-    </p:spTree>
-    <p:extLst>
-      <p:ext uri="{BB962C8B-B14F-4D97-AF65-F5344CB8AC3E}">
-        <p14:creationId xmlns:p14="http://schemas.microsoft.com/office/powerpoint/2010/main" val="2029368431"/>
-      </p:ext>
-    </p:extLst>
-  </p:cSld>
-  <p:clrMapOvr>
-    <a:masterClrMapping/>
-  </p:clrMapOvr>
-</p:sld>
-</file>
-
-<file path=ppt/slides/slide13.xml><?xml version="1.0" encoding="utf-8"?>
-<p:sld xmlns:a="http://schemas.openxmlformats.org/drawingml/2006/main" xmlns:r="http://schemas.openxmlformats.org/officeDocument/2006/relationships" xmlns:p="http://schemas.openxmlformats.org/presentationml/2006/main">
-  <p:cSld>
-    <p:spTree>
-      <p:nvGrpSpPr>
-        <p:cNvPr id="1" name="">
-          <a:extLst>
-            <a:ext uri="{FF2B5EF4-FFF2-40B4-BE49-F238E27FC236}">
-              <a16:creationId xmlns:a16="http://schemas.microsoft.com/office/drawing/2014/main" id="{70BC6D07-7E2F-EB6F-AF53-314019E9116F}"/>
-            </a:ext>
-          </a:extLst>
-        </p:cNvPr>
-        <p:cNvGrpSpPr/>
-        <p:nvPr/>
-      </p:nvGrpSpPr>
-      <p:grpSpPr>
-        <a:xfrm>
-          <a:off x="0" y="0"/>
-          <a:ext cx="0" cy="0"/>
-          <a:chOff x="0" y="0"/>
-          <a:chExt cx="0" cy="0"/>
-        </a:xfrm>
-      </p:grpSpPr>
-      <p:pic>
-        <p:nvPicPr>
-          <p:cNvPr id="3" name="Picture 2">
-            <a:extLst>
-              <a:ext uri="{FF2B5EF4-FFF2-40B4-BE49-F238E27FC236}">
-                <a16:creationId xmlns:a16="http://schemas.microsoft.com/office/drawing/2014/main" id="{C00E88F7-D22B-05DC-26E6-C0C5B7F8B7E5}"/>
-              </a:ext>
-            </a:extLst>
-          </p:cNvPr>
-          <p:cNvPicPr>
-            <a:picLocks noChangeAspect="1"/>
-          </p:cNvPicPr>
-          <p:nvPr/>
-        </p:nvPicPr>
-        <p:blipFill>
-          <a:blip r:embed="rId2"/>
-          <a:stretch>
-            <a:fillRect/>
-          </a:stretch>
-        </p:blipFill>
-        <p:spPr>
-          <a:xfrm>
-            <a:off x="158750" y="12700"/>
-            <a:ext cx="11896572" cy="6845300"/>
-          </a:xfrm>
-          <a:prstGeom prst="rect">
-            <a:avLst/>
-          </a:prstGeom>
-        </p:spPr>
-      </p:pic>
-    </p:spTree>
-    <p:extLst>
-      <p:ext uri="{BB962C8B-B14F-4D97-AF65-F5344CB8AC3E}">
-        <p14:creationId xmlns:p14="http://schemas.microsoft.com/office/powerpoint/2010/main" val="2155457742"/>
-      </p:ext>
-    </p:extLst>
-  </p:cSld>
-  <p:clrMapOvr>
-    <a:masterClrMapping/>
-  </p:clrMapOvr>
-</p:sld>
-</file>
-
-<file path=ppt/slides/slide14.xml><?xml version="1.0" encoding="utf-8"?>
-<p:sld xmlns:a="http://schemas.openxmlformats.org/drawingml/2006/main" xmlns:r="http://schemas.openxmlformats.org/officeDocument/2006/relationships" xmlns:p="http://schemas.openxmlformats.org/presentationml/2006/main">
-  <p:cSld>
-    <p:spTree>
-      <p:nvGrpSpPr>
-        <p:cNvPr id="1" name=""/>
-        <p:cNvGrpSpPr/>
-        <p:nvPr/>
-      </p:nvGrpSpPr>
-      <p:grpSpPr>
-        <a:xfrm>
-          <a:off x="0" y="0"/>
-          <a:ext cx="0" cy="0"/>
-          <a:chOff x="0" y="0"/>
-          <a:chExt cx="0" cy="0"/>
-        </a:xfrm>
-      </p:grpSpPr>
-      <p:pic>
-        <p:nvPicPr>
-          <p:cNvPr id="5" name="Picture 4">
-            <a:extLst>
-              <a:ext uri="{FF2B5EF4-FFF2-40B4-BE49-F238E27FC236}">
-                <a16:creationId xmlns:a16="http://schemas.microsoft.com/office/drawing/2014/main" id="{A0EAFFE8-BE98-2278-7AA3-9087C6C58FF1}"/>
-              </a:ext>
-            </a:extLst>
-          </p:cNvPr>
-          <p:cNvPicPr>
-            <a:picLocks noChangeAspect="1"/>
-          </p:cNvPicPr>
-          <p:nvPr/>
-        </p:nvPicPr>
-        <p:blipFill>
-          <a:blip r:embed="rId2"/>
-          <a:stretch>
-            <a:fillRect/>
-          </a:stretch>
-        </p:blipFill>
-        <p:spPr>
-          <a:xfrm>
-            <a:off x="158750" y="12700"/>
-            <a:ext cx="11896572" cy="6845300"/>
-          </a:xfrm>
-          <a:prstGeom prst="rect">
-            <a:avLst/>
-          </a:prstGeom>
-        </p:spPr>
-      </p:pic>
-    </p:spTree>
-    <p:extLst>
-      <p:ext uri="{BB962C8B-B14F-4D97-AF65-F5344CB8AC3E}">
-        <p14:creationId xmlns:p14="http://schemas.microsoft.com/office/powerpoint/2010/main" val="2228588799"/>
-      </p:ext>
-    </p:extLst>
-  </p:cSld>
-  <p:clrMapOvr>
-    <a:masterClrMapping/>
-  </p:clrMapOvr>
-</p:sld>
-</file>
-
-<file path=ppt/slides/slide15.xml><?xml version="1.0" encoding="utf-8"?>
-<p:sld xmlns:a="http://schemas.openxmlformats.org/drawingml/2006/main" xmlns:r="http://schemas.openxmlformats.org/officeDocument/2006/relationships" xmlns:p="http://schemas.openxmlformats.org/presentationml/2006/main">
-  <p:cSld>
-    <p:spTree>
-      <p:nvGrpSpPr>
-        <p:cNvPr id="1" name="">
-          <a:extLst>
-            <a:ext uri="{FF2B5EF4-FFF2-40B4-BE49-F238E27FC236}">
-              <a16:creationId xmlns:a16="http://schemas.microsoft.com/office/drawing/2014/main" id="{BEF2F186-35AE-2FCC-2A6A-B35E5108C2AA}"/>
-            </a:ext>
-          </a:extLst>
-        </p:cNvPr>
-        <p:cNvGrpSpPr/>
-        <p:nvPr/>
-      </p:nvGrpSpPr>
-      <p:grpSpPr>
-        <a:xfrm>
-          <a:off x="0" y="0"/>
-          <a:ext cx="0" cy="0"/>
-          <a:chOff x="0" y="0"/>
-          <a:chExt cx="0" cy="0"/>
-        </a:xfrm>
-      </p:grpSpPr>
-      <p:pic>
-        <p:nvPicPr>
-          <p:cNvPr id="3" name="Picture 2">
-            <a:extLst>
-              <a:ext uri="{FF2B5EF4-FFF2-40B4-BE49-F238E27FC236}">
-                <a16:creationId xmlns:a16="http://schemas.microsoft.com/office/drawing/2014/main" id="{A4564124-8735-8731-DBAF-7BC08926938A}"/>
-              </a:ext>
-            </a:extLst>
-          </p:cNvPr>
-          <p:cNvPicPr>
-            <a:picLocks noChangeAspect="1"/>
-          </p:cNvPicPr>
-          <p:nvPr/>
-        </p:nvPicPr>
-        <p:blipFill>
-          <a:blip r:embed="rId2"/>
-          <a:stretch>
-            <a:fillRect/>
-          </a:stretch>
-        </p:blipFill>
-        <p:spPr>
-          <a:xfrm>
-            <a:off x="158750" y="12700"/>
-            <a:ext cx="11896572" cy="6845300"/>
-          </a:xfrm>
-          <a:prstGeom prst="rect">
-            <a:avLst/>
-          </a:prstGeom>
-        </p:spPr>
-      </p:pic>
-    </p:spTree>
-    <p:extLst>
-      <p:ext uri="{BB962C8B-B14F-4D97-AF65-F5344CB8AC3E}">
-        <p14:creationId xmlns:p14="http://schemas.microsoft.com/office/powerpoint/2010/main" val="10356444"/>
-      </p:ext>
-    </p:extLst>
-  </p:cSld>
-  <p:clrMapOvr>
-    <a:masterClrMapping/>
-  </p:clrMapOvr>
-</p:sld>
-</file>
-
-<file path=ppt/slides/slide16.xml><?xml version="1.0" encoding="utf-8"?>
-<p:sld xmlns:a="http://schemas.openxmlformats.org/drawingml/2006/main" xmlns:r="http://schemas.openxmlformats.org/officeDocument/2006/relationships" xmlns:p="http://schemas.openxmlformats.org/presentationml/2006/main">
-  <p:cSld>
-    <p:spTree>
-      <p:nvGrpSpPr>
-        <p:cNvPr id="1" name="">
-          <a:extLst>
-            <a:ext uri="{FF2B5EF4-FFF2-40B4-BE49-F238E27FC236}">
-              <a16:creationId xmlns:a16="http://schemas.microsoft.com/office/drawing/2014/main" id="{53EB7A38-BE66-092C-4792-7189A3EF14FD}"/>
-            </a:ext>
-          </a:extLst>
-        </p:cNvPr>
-        <p:cNvGrpSpPr/>
-        <p:nvPr/>
-      </p:nvGrpSpPr>
-      <p:grpSpPr>
-        <a:xfrm>
-          <a:off x="0" y="0"/>
-          <a:ext cx="0" cy="0"/>
-          <a:chOff x="0" y="0"/>
-          <a:chExt cx="0" cy="0"/>
-        </a:xfrm>
-      </p:grpSpPr>
-      <p:pic>
-        <p:nvPicPr>
-          <p:cNvPr id="3" name="Picture 2">
-            <a:extLst>
-              <a:ext uri="{FF2B5EF4-FFF2-40B4-BE49-F238E27FC236}">
-                <a16:creationId xmlns:a16="http://schemas.microsoft.com/office/drawing/2014/main" id="{70ABFB2F-071F-51D0-8FDE-7FDA8C598E25}"/>
-              </a:ext>
-            </a:extLst>
-          </p:cNvPr>
-          <p:cNvPicPr>
-            <a:picLocks noChangeAspect="1"/>
-          </p:cNvPicPr>
-          <p:nvPr/>
-        </p:nvPicPr>
-        <p:blipFill>
-          <a:blip r:embed="rId2"/>
-          <a:stretch>
-            <a:fillRect/>
-          </a:stretch>
-        </p:blipFill>
-        <p:spPr>
-          <a:xfrm>
-            <a:off x="158750" y="12700"/>
-            <a:ext cx="11896572" cy="6845300"/>
-          </a:xfrm>
-          <a:prstGeom prst="rect">
-            <a:avLst/>
-          </a:prstGeom>
-        </p:spPr>
-      </p:pic>
-    </p:spTree>
-    <p:extLst>
-      <p:ext uri="{BB962C8B-B14F-4D97-AF65-F5344CB8AC3E}">
-        <p14:creationId xmlns:p14="http://schemas.microsoft.com/office/powerpoint/2010/main" val="903965544"/>
+        <p14:creationId xmlns:p14="http://schemas.microsoft.com/office/powerpoint/2010/main" val="1844417330"/>
       </p:ext>
     </p:extLst>
   </p:cSld>
@@ -3857,7 +3399,7 @@
           <p:cNvPr id="5" name="Picture 4">
             <a:extLst>
               <a:ext uri="{FF2B5EF4-FFF2-40B4-BE49-F238E27FC236}">
-                <a16:creationId xmlns:a16="http://schemas.microsoft.com/office/drawing/2014/main" id="{82371579-8C8C-E9B3-EEA6-AA3C47E74BBE}"/>
+                <a16:creationId xmlns:a16="http://schemas.microsoft.com/office/drawing/2014/main" id="{EFCBC2F5-B478-533E-9B9B-14D9FCD1C435}"/>
               </a:ext>
             </a:extLst>
           </p:cNvPr>
@@ -3874,8 +3416,8 @@
         </p:blipFill>
         <p:spPr>
           <a:xfrm>
-            <a:off x="158750" y="12700"/>
-            <a:ext cx="11896572" cy="6845300"/>
+            <a:off x="0" y="0"/>
+            <a:ext cx="11918644" cy="6858000"/>
           </a:xfrm>
           <a:prstGeom prst="rect">
             <a:avLst/>
@@ -3885,7 +3427,7 @@
     </p:spTree>
     <p:extLst>
       <p:ext uri="{BB962C8B-B14F-4D97-AF65-F5344CB8AC3E}">
-        <p14:creationId xmlns:p14="http://schemas.microsoft.com/office/powerpoint/2010/main" val="4252422756"/>
+        <p14:creationId xmlns:p14="http://schemas.microsoft.com/office/powerpoint/2010/main" val="2821437270"/>
       </p:ext>
     </p:extLst>
   </p:cSld>
@@ -3903,7 +3445,7 @@
         <p:cNvPr id="1" name="">
           <a:extLst>
             <a:ext uri="{FF2B5EF4-FFF2-40B4-BE49-F238E27FC236}">
-              <a16:creationId xmlns:a16="http://schemas.microsoft.com/office/drawing/2014/main" id="{12A86822-99A2-7191-6C69-8EBF0B2C42BE}"/>
+              <a16:creationId xmlns:a16="http://schemas.microsoft.com/office/drawing/2014/main" id="{7823636C-3DDC-3D09-78B4-1C5B347FBFE5}"/>
             </a:ext>
           </a:extLst>
         </p:cNvPr>
@@ -3923,7 +3465,7 @@
           <p:cNvPr id="3" name="Picture 2">
             <a:extLst>
               <a:ext uri="{FF2B5EF4-FFF2-40B4-BE49-F238E27FC236}">
-                <a16:creationId xmlns:a16="http://schemas.microsoft.com/office/drawing/2014/main" id="{3995C648-39CB-43DE-F155-E0BAF8323E2A}"/>
+                <a16:creationId xmlns:a16="http://schemas.microsoft.com/office/drawing/2014/main" id="{A70F57B8-09BB-AF83-B0BA-8E1E2B2CAC73}"/>
               </a:ext>
             </a:extLst>
           </p:cNvPr>
@@ -3940,7 +3482,7 @@
         </p:blipFill>
         <p:spPr>
           <a:xfrm>
-            <a:off x="158750" y="12700"/>
+            <a:off x="0" y="12700"/>
             <a:ext cx="11896572" cy="6845300"/>
           </a:xfrm>
           <a:prstGeom prst="rect">
@@ -3951,7 +3493,7 @@
     </p:spTree>
     <p:extLst>
       <p:ext uri="{BB962C8B-B14F-4D97-AF65-F5344CB8AC3E}">
-        <p14:creationId xmlns:p14="http://schemas.microsoft.com/office/powerpoint/2010/main" val="1348218844"/>
+        <p14:creationId xmlns:p14="http://schemas.microsoft.com/office/powerpoint/2010/main" val="3584291593"/>
       </p:ext>
     </p:extLst>
   </p:cSld>
@@ -3969,7 +3511,7 @@
         <p:cNvPr id="1" name="">
           <a:extLst>
             <a:ext uri="{FF2B5EF4-FFF2-40B4-BE49-F238E27FC236}">
-              <a16:creationId xmlns:a16="http://schemas.microsoft.com/office/drawing/2014/main" id="{7182D98C-723B-5A34-5EB7-20A00B0D1A84}"/>
+              <a16:creationId xmlns:a16="http://schemas.microsoft.com/office/drawing/2014/main" id="{A2FDBC50-6678-EF87-02FB-4C2175C8C45D}"/>
             </a:ext>
           </a:extLst>
         </p:cNvPr>
@@ -3989,7 +3531,7 @@
           <p:cNvPr id="3" name="Picture 2">
             <a:extLst>
               <a:ext uri="{FF2B5EF4-FFF2-40B4-BE49-F238E27FC236}">
-                <a16:creationId xmlns:a16="http://schemas.microsoft.com/office/drawing/2014/main" id="{F2F00CF9-259B-050B-BBE1-AC63218B612C}"/>
+                <a16:creationId xmlns:a16="http://schemas.microsoft.com/office/drawing/2014/main" id="{4C57F5C3-E85A-68B9-1997-2FF6E47913BD}"/>
               </a:ext>
             </a:extLst>
           </p:cNvPr>
@@ -4006,8 +3548,8 @@
         </p:blipFill>
         <p:spPr>
           <a:xfrm>
-            <a:off x="158750" y="12700"/>
-            <a:ext cx="11896572" cy="6845300"/>
+            <a:off x="0" y="0"/>
+            <a:ext cx="11918644" cy="6858000"/>
           </a:xfrm>
           <a:prstGeom prst="rect">
             <a:avLst/>
@@ -4017,7 +3559,7 @@
     </p:spTree>
     <p:extLst>
       <p:ext uri="{BB962C8B-B14F-4D97-AF65-F5344CB8AC3E}">
-        <p14:creationId xmlns:p14="http://schemas.microsoft.com/office/powerpoint/2010/main" val="2024959102"/>
+        <p14:creationId xmlns:p14="http://schemas.microsoft.com/office/powerpoint/2010/main" val="486516175"/>
       </p:ext>
     </p:extLst>
   </p:cSld>
@@ -4035,7 +3577,7 @@
         <p:cNvPr id="1" name="">
           <a:extLst>
             <a:ext uri="{FF2B5EF4-FFF2-40B4-BE49-F238E27FC236}">
-              <a16:creationId xmlns:a16="http://schemas.microsoft.com/office/drawing/2014/main" id="{D9ECFFD7-F121-4922-E853-7E6F6B312161}"/>
+              <a16:creationId xmlns:a16="http://schemas.microsoft.com/office/drawing/2014/main" id="{58978AC7-C612-3887-6AF1-786EA42CD76A}"/>
             </a:ext>
           </a:extLst>
         </p:cNvPr>
@@ -4055,7 +3597,7 @@
           <p:cNvPr id="3" name="Picture 2">
             <a:extLst>
               <a:ext uri="{FF2B5EF4-FFF2-40B4-BE49-F238E27FC236}">
-                <a16:creationId xmlns:a16="http://schemas.microsoft.com/office/drawing/2014/main" id="{52994EF3-0C6B-07BC-615D-DD824B643F50}"/>
+                <a16:creationId xmlns:a16="http://schemas.microsoft.com/office/drawing/2014/main" id="{7D1F8A5E-CFAC-291B-CE4A-FCDD392FD77E}"/>
               </a:ext>
             </a:extLst>
           </p:cNvPr>
@@ -4072,8 +3614,8 @@
         </p:blipFill>
         <p:spPr>
           <a:xfrm>
-            <a:off x="158750" y="12700"/>
-            <a:ext cx="11896572" cy="6845300"/>
+            <a:off x="0" y="0"/>
+            <a:ext cx="11918644" cy="6858000"/>
           </a:xfrm>
           <a:prstGeom prst="rect">
             <a:avLst/>
@@ -4083,7 +3625,7 @@
     </p:spTree>
     <p:extLst>
       <p:ext uri="{BB962C8B-B14F-4D97-AF65-F5344CB8AC3E}">
-        <p14:creationId xmlns:p14="http://schemas.microsoft.com/office/powerpoint/2010/main" val="2595730390"/>
+        <p14:creationId xmlns:p14="http://schemas.microsoft.com/office/powerpoint/2010/main" val="666512869"/>
       </p:ext>
     </p:extLst>
   </p:cSld>
@@ -4101,7 +3643,7 @@
         <p:cNvPr id="1" name="">
           <a:extLst>
             <a:ext uri="{FF2B5EF4-FFF2-40B4-BE49-F238E27FC236}">
-              <a16:creationId xmlns:a16="http://schemas.microsoft.com/office/drawing/2014/main" id="{4BC683D5-243D-BB08-3C5D-C48604A2DD3B}"/>
+              <a16:creationId xmlns:a16="http://schemas.microsoft.com/office/drawing/2014/main" id="{A8E2228E-1733-5F6A-FE4A-29C0FDEE88F0}"/>
             </a:ext>
           </a:extLst>
         </p:cNvPr>
@@ -4121,7 +3663,7 @@
           <p:cNvPr id="3" name="Picture 2">
             <a:extLst>
               <a:ext uri="{FF2B5EF4-FFF2-40B4-BE49-F238E27FC236}">
-                <a16:creationId xmlns:a16="http://schemas.microsoft.com/office/drawing/2014/main" id="{47DA0477-57D6-D6C8-E619-422311C60C9D}"/>
+                <a16:creationId xmlns:a16="http://schemas.microsoft.com/office/drawing/2014/main" id="{1589B7D4-5D7D-C0D5-920F-429EEB3932D9}"/>
               </a:ext>
             </a:extLst>
           </p:cNvPr>
@@ -4138,7 +3680,7 @@
         </p:blipFill>
         <p:spPr>
           <a:xfrm>
-            <a:off x="158750" y="12700"/>
+            <a:off x="0" y="12700"/>
             <a:ext cx="11896572" cy="6845300"/>
           </a:xfrm>
           <a:prstGeom prst="rect">
@@ -4149,7 +3691,7 @@
     </p:spTree>
     <p:extLst>
       <p:ext uri="{BB962C8B-B14F-4D97-AF65-F5344CB8AC3E}">
-        <p14:creationId xmlns:p14="http://schemas.microsoft.com/office/powerpoint/2010/main" val="2981228863"/>
+        <p14:creationId xmlns:p14="http://schemas.microsoft.com/office/powerpoint/2010/main" val="809363667"/>
       </p:ext>
     </p:extLst>
   </p:cSld>
@@ -4167,7 +3709,7 @@
         <p:cNvPr id="1" name="">
           <a:extLst>
             <a:ext uri="{FF2B5EF4-FFF2-40B4-BE49-F238E27FC236}">
-              <a16:creationId xmlns:a16="http://schemas.microsoft.com/office/drawing/2014/main" id="{0491068E-C7BE-B6DA-2581-13E3FF5315BC}"/>
+              <a16:creationId xmlns:a16="http://schemas.microsoft.com/office/drawing/2014/main" id="{B20C68B9-51BB-2698-0B17-174BB2D55F1D}"/>
             </a:ext>
           </a:extLst>
         </p:cNvPr>
@@ -4187,7 +3729,7 @@
           <p:cNvPr id="3" name="Picture 2">
             <a:extLst>
               <a:ext uri="{FF2B5EF4-FFF2-40B4-BE49-F238E27FC236}">
-                <a16:creationId xmlns:a16="http://schemas.microsoft.com/office/drawing/2014/main" id="{3AB50783-3C2D-F665-64ED-8D6B45E19F28}"/>
+                <a16:creationId xmlns:a16="http://schemas.microsoft.com/office/drawing/2014/main" id="{32F1C560-47FC-8554-2803-7E3EF7DDB867}"/>
               </a:ext>
             </a:extLst>
           </p:cNvPr>
@@ -4204,7 +3746,7 @@
         </p:blipFill>
         <p:spPr>
           <a:xfrm>
-            <a:off x="158750" y="12700"/>
+            <a:off x="0" y="12700"/>
             <a:ext cx="11896572" cy="6845300"/>
           </a:xfrm>
           <a:prstGeom prst="rect">
@@ -4215,7 +3757,7 @@
     </p:spTree>
     <p:extLst>
       <p:ext uri="{BB962C8B-B14F-4D97-AF65-F5344CB8AC3E}">
-        <p14:creationId xmlns:p14="http://schemas.microsoft.com/office/powerpoint/2010/main" val="2257888509"/>
+        <p14:creationId xmlns:p14="http://schemas.microsoft.com/office/powerpoint/2010/main" val="3033517474"/>
       </p:ext>
     </p:extLst>
   </p:cSld>
@@ -4233,7 +3775,7 @@
         <p:cNvPr id="1" name="">
           <a:extLst>
             <a:ext uri="{FF2B5EF4-FFF2-40B4-BE49-F238E27FC236}">
-              <a16:creationId xmlns:a16="http://schemas.microsoft.com/office/drawing/2014/main" id="{723EBC30-D5B8-B562-0156-26C815CC3146}"/>
+              <a16:creationId xmlns:a16="http://schemas.microsoft.com/office/drawing/2014/main" id="{86F905F7-FEA8-9FF2-94A9-5A14BA72EB7F}"/>
             </a:ext>
           </a:extLst>
         </p:cNvPr>
@@ -4253,7 +3795,7 @@
           <p:cNvPr id="3" name="Picture 2">
             <a:extLst>
               <a:ext uri="{FF2B5EF4-FFF2-40B4-BE49-F238E27FC236}">
-                <a16:creationId xmlns:a16="http://schemas.microsoft.com/office/drawing/2014/main" id="{24E8C63F-A2E1-2E02-E1CC-B58B99D16C70}"/>
+                <a16:creationId xmlns:a16="http://schemas.microsoft.com/office/drawing/2014/main" id="{F5296283-AB17-B1A4-DDC0-17792FAB16DE}"/>
               </a:ext>
             </a:extLst>
           </p:cNvPr>
@@ -4270,8 +3812,8 @@
         </p:blipFill>
         <p:spPr>
           <a:xfrm>
-            <a:off x="158750" y="12700"/>
-            <a:ext cx="11896572" cy="6845300"/>
+            <a:off x="0" y="0"/>
+            <a:ext cx="11918644" cy="6858000"/>
           </a:xfrm>
           <a:prstGeom prst="rect">
             <a:avLst/>
@@ -4281,7 +3823,7 @@
     </p:spTree>
     <p:extLst>
       <p:ext uri="{BB962C8B-B14F-4D97-AF65-F5344CB8AC3E}">
-        <p14:creationId xmlns:p14="http://schemas.microsoft.com/office/powerpoint/2010/main" val="1034877215"/>
+        <p14:creationId xmlns:p14="http://schemas.microsoft.com/office/powerpoint/2010/main" val="2644762064"/>
       </p:ext>
     </p:extLst>
   </p:cSld>
@@ -4296,13 +3838,7 @@
   <p:cSld>
     <p:spTree>
       <p:nvGrpSpPr>
-        <p:cNvPr id="1" name="">
-          <a:extLst>
-            <a:ext uri="{FF2B5EF4-FFF2-40B4-BE49-F238E27FC236}">
-              <a16:creationId xmlns:a16="http://schemas.microsoft.com/office/drawing/2014/main" id="{93F679F6-0C7D-D7DD-ACD1-0D114B07E110}"/>
-            </a:ext>
-          </a:extLst>
-        </p:cNvPr>
+        <p:cNvPr id="1" name=""/>
         <p:cNvGrpSpPr/>
         <p:nvPr/>
       </p:nvGrpSpPr>
@@ -4316,10 +3852,10 @@
       </p:grpSpPr>
       <p:pic>
         <p:nvPicPr>
-          <p:cNvPr id="3" name="Picture 2">
-            <a:extLst>
-              <a:ext uri="{FF2B5EF4-FFF2-40B4-BE49-F238E27FC236}">
-                <a16:creationId xmlns:a16="http://schemas.microsoft.com/office/drawing/2014/main" id="{A4EE60BE-B91D-D2DE-E1EF-EEECA1071731}"/>
+          <p:cNvPr id="5" name="Picture 4">
+            <a:extLst>
+              <a:ext uri="{FF2B5EF4-FFF2-40B4-BE49-F238E27FC236}">
+                <a16:creationId xmlns:a16="http://schemas.microsoft.com/office/drawing/2014/main" id="{445B3154-C175-4FCC-F1F9-96F9108D2024}"/>
               </a:ext>
             </a:extLst>
           </p:cNvPr>
@@ -4336,8 +3872,8 @@
         </p:blipFill>
         <p:spPr>
           <a:xfrm>
-            <a:off x="158750" y="12700"/>
-            <a:ext cx="11896572" cy="6845300"/>
+            <a:off x="0" y="1406768"/>
+            <a:ext cx="12192000" cy="4044461"/>
           </a:xfrm>
           <a:prstGeom prst="rect">
             <a:avLst/>
@@ -4347,7 +3883,7 @@
     </p:spTree>
     <p:extLst>
       <p:ext uri="{BB962C8B-B14F-4D97-AF65-F5344CB8AC3E}">
-        <p14:creationId xmlns:p14="http://schemas.microsoft.com/office/powerpoint/2010/main" val="1031897291"/>
+        <p14:creationId xmlns:p14="http://schemas.microsoft.com/office/powerpoint/2010/main" val="638014532"/>
       </p:ext>
     </p:extLst>
   </p:cSld>
